--- a/Configuracao_Servidores.pptx
+++ b/Configuracao_Servidores.pptx
@@ -107,6 +107,11 @@
       </a:defRPr>
     </a:lvl9pPr>
   </p:defaultTextStyle>
+  <p:extLst>
+    <p:ext uri="{EFAFB233-063F-42B5-8137-9DF3F51BA10A}">
+      <p15:sldGuideLst xmlns:p15="http://schemas.microsoft.com/office/powerpoint/2012/main"/>
+    </p:ext>
+  </p:extLst>
 </p:presentation>
 </file>
 
@@ -257,7 +262,7 @@
           <a:p>
             <a:fld id="{415FE3CD-63C7-456B-B30B-CB68DCF0F602}" type="datetimeFigureOut">
               <a:rPr lang="pt-BR" smtClean="0"/>
-              <a:t>13/02/2026</a:t>
+              <a:t>18/02/2026</a:t>
             </a:fld>
             <a:endParaRPr lang="pt-BR"/>
           </a:p>
@@ -455,7 +460,7 @@
           <a:p>
             <a:fld id="{415FE3CD-63C7-456B-B30B-CB68DCF0F602}" type="datetimeFigureOut">
               <a:rPr lang="pt-BR" smtClean="0"/>
-              <a:t>13/02/2026</a:t>
+              <a:t>18/02/2026</a:t>
             </a:fld>
             <a:endParaRPr lang="pt-BR"/>
           </a:p>
@@ -663,7 +668,7 @@
           <a:p>
             <a:fld id="{415FE3CD-63C7-456B-B30B-CB68DCF0F602}" type="datetimeFigureOut">
               <a:rPr lang="pt-BR" smtClean="0"/>
-              <a:t>13/02/2026</a:t>
+              <a:t>18/02/2026</a:t>
             </a:fld>
             <a:endParaRPr lang="pt-BR"/>
           </a:p>
@@ -861,7 +866,7 @@
           <a:p>
             <a:fld id="{415FE3CD-63C7-456B-B30B-CB68DCF0F602}" type="datetimeFigureOut">
               <a:rPr lang="pt-BR" smtClean="0"/>
-              <a:t>13/02/2026</a:t>
+              <a:t>18/02/2026</a:t>
             </a:fld>
             <a:endParaRPr lang="pt-BR"/>
           </a:p>
@@ -1136,7 +1141,7 @@
           <a:p>
             <a:fld id="{415FE3CD-63C7-456B-B30B-CB68DCF0F602}" type="datetimeFigureOut">
               <a:rPr lang="pt-BR" smtClean="0"/>
-              <a:t>13/02/2026</a:t>
+              <a:t>18/02/2026</a:t>
             </a:fld>
             <a:endParaRPr lang="pt-BR"/>
           </a:p>
@@ -1401,7 +1406,7 @@
           <a:p>
             <a:fld id="{415FE3CD-63C7-456B-B30B-CB68DCF0F602}" type="datetimeFigureOut">
               <a:rPr lang="pt-BR" smtClean="0"/>
-              <a:t>13/02/2026</a:t>
+              <a:t>18/02/2026</a:t>
             </a:fld>
             <a:endParaRPr lang="pt-BR"/>
           </a:p>
@@ -1813,7 +1818,7 @@
           <a:p>
             <a:fld id="{415FE3CD-63C7-456B-B30B-CB68DCF0F602}" type="datetimeFigureOut">
               <a:rPr lang="pt-BR" smtClean="0"/>
-              <a:t>13/02/2026</a:t>
+              <a:t>18/02/2026</a:t>
             </a:fld>
             <a:endParaRPr lang="pt-BR"/>
           </a:p>
@@ -1954,7 +1959,7 @@
           <a:p>
             <a:fld id="{415FE3CD-63C7-456B-B30B-CB68DCF0F602}" type="datetimeFigureOut">
               <a:rPr lang="pt-BR" smtClean="0"/>
-              <a:t>13/02/2026</a:t>
+              <a:t>18/02/2026</a:t>
             </a:fld>
             <a:endParaRPr lang="pt-BR"/>
           </a:p>
@@ -2067,7 +2072,7 @@
           <a:p>
             <a:fld id="{415FE3CD-63C7-456B-B30B-CB68DCF0F602}" type="datetimeFigureOut">
               <a:rPr lang="pt-BR" smtClean="0"/>
-              <a:t>13/02/2026</a:t>
+              <a:t>18/02/2026</a:t>
             </a:fld>
             <a:endParaRPr lang="pt-BR"/>
           </a:p>
@@ -2378,7 +2383,7 @@
           <a:p>
             <a:fld id="{415FE3CD-63C7-456B-B30B-CB68DCF0F602}" type="datetimeFigureOut">
               <a:rPr lang="pt-BR" smtClean="0"/>
-              <a:t>13/02/2026</a:t>
+              <a:t>18/02/2026</a:t>
             </a:fld>
             <a:endParaRPr lang="pt-BR"/>
           </a:p>
@@ -2666,7 +2671,7 @@
           <a:p>
             <a:fld id="{415FE3CD-63C7-456B-B30B-CB68DCF0F602}" type="datetimeFigureOut">
               <a:rPr lang="pt-BR" smtClean="0"/>
-              <a:t>13/02/2026</a:t>
+              <a:t>18/02/2026</a:t>
             </a:fld>
             <a:endParaRPr lang="pt-BR"/>
           </a:p>
@@ -2907,7 +2912,7 @@
           <a:p>
             <a:fld id="{415FE3CD-63C7-456B-B30B-CB68DCF0F602}" type="datetimeFigureOut">
               <a:rPr lang="pt-BR" smtClean="0"/>
-              <a:t>13/02/2026</a:t>
+              <a:t>18/02/2026</a:t>
             </a:fld>
             <a:endParaRPr lang="pt-BR"/>
           </a:p>
@@ -4573,7 +4578,7 @@
         <p:spPr/>
         <p:txBody>
           <a:bodyPr>
-            <a:normAutofit fontScale="32500" lnSpcReduction="20000"/>
+            <a:normAutofit fontScale="25000" lnSpcReduction="20000"/>
           </a:bodyPr>
           <a:lstStyle/>
           <a:p>
@@ -4624,7 +4629,7 @@
             </a:pPr>
             <a:r>
               <a:rPr lang="pt-BR" b="1" dirty="0"/>
-              <a:t>Banco de dados Nota Nacional Homologação - HUB (Acessível de todos os locais)</a:t>
+              <a:t>Banco de dados Nota Nacional Produção - APP (Acessível somente do IP 77.37.68.16)</a:t>
             </a:r>
           </a:p>
           <a:p>
@@ -4642,6 +4647,54 @@
             </a:pPr>
             <a:r>
               <a:rPr lang="pt-BR" dirty="0"/>
+              <a:t>Usuário 		: u496321131_nfseClient</a:t>
+            </a:r>
+          </a:p>
+          <a:p>
+            <a:pPr marL="0" indent="0">
+              <a:buNone/>
+            </a:pPr>
+            <a:r>
+              <a:rPr lang="pt-BR" dirty="0"/>
+              <a:t>Senha 		: EkwZ8rHJEZrd4L3m1CzAhg5v</a:t>
+            </a:r>
+          </a:p>
+          <a:p>
+            <a:pPr marL="0" indent="0">
+              <a:buNone/>
+            </a:pPr>
+            <a:endParaRPr lang="pt-BR" dirty="0"/>
+          </a:p>
+          <a:p>
+            <a:pPr marL="0" indent="0">
+              <a:buNone/>
+            </a:pPr>
+            <a:endParaRPr lang="pt-BR" dirty="0"/>
+          </a:p>
+          <a:p>
+            <a:pPr marL="0" indent="0">
+              <a:buNone/>
+            </a:pPr>
+            <a:r>
+              <a:rPr lang="pt-BR" b="1" dirty="0"/>
+              <a:t>Banco de dados Nota Nacional Homologação - HUB (Acessível de todos os locais)</a:t>
+            </a:r>
+          </a:p>
+          <a:p>
+            <a:pPr marL="0" indent="0">
+              <a:buNone/>
+            </a:pPr>
+            <a:r>
+              <a:rPr lang="pt-BR" dirty="0"/>
+              <a:t>Host		: srv1524.hstgr.io ou 193.203.175.97</a:t>
+            </a:r>
+          </a:p>
+          <a:p>
+            <a:pPr marL="0" indent="0">
+              <a:buNone/>
+            </a:pPr>
+            <a:r>
+              <a:rPr lang="pt-BR" dirty="0"/>
               <a:t>Usuário 		: u496321131_h_notanacional</a:t>
             </a:r>
           </a:p>
@@ -4652,48 +4705,6 @@
             <a:r>
               <a:rPr lang="pt-BR" dirty="0"/>
               <a:t>Senha 		: U234w0QCpAOOwf7ZBVgj26</a:t>
-            </a:r>
-          </a:p>
-          <a:p>
-            <a:pPr marL="0" indent="0">
-              <a:buNone/>
-            </a:pPr>
-            <a:endParaRPr lang="pt-BR" dirty="0"/>
-          </a:p>
-          <a:p>
-            <a:pPr marL="0" indent="0">
-              <a:buNone/>
-            </a:pPr>
-            <a:r>
-              <a:rPr lang="pt-BR" b="1" dirty="0"/>
-              <a:t>Banco de dados Nota Nacional Produção - APP (Acessível somente do IP 77.37.68.16)</a:t>
-            </a:r>
-          </a:p>
-          <a:p>
-            <a:pPr marL="0" indent="0">
-              <a:buNone/>
-            </a:pPr>
-            <a:r>
-              <a:rPr lang="pt-BR" dirty="0"/>
-              <a:t>Host		: srv1524.hstgr.io ou 193.203.175.97</a:t>
-            </a:r>
-          </a:p>
-          <a:p>
-            <a:pPr marL="0" indent="0">
-              <a:buNone/>
-            </a:pPr>
-            <a:r>
-              <a:rPr lang="pt-BR" dirty="0"/>
-              <a:t>Usuário 		: u496321131_nfseClient</a:t>
-            </a:r>
-          </a:p>
-          <a:p>
-            <a:pPr marL="0" indent="0">
-              <a:buNone/>
-            </a:pPr>
-            <a:r>
-              <a:rPr lang="pt-BR" dirty="0"/>
-              <a:t>Senha 		: EkwZ8rHJEZrd4L3m1CzAhg5v</a:t>
             </a:r>
           </a:p>
           <a:p>
